--- a/Capstone_Slides_Raghu_Kowshik_20170125.pptx
+++ b/Capstone_Slides_Raghu_Kowshik_20170125.pptx
@@ -112,6 +112,11 @@
       </a:defRPr>
     </a:lvl9pPr>
   </p:defaultTextStyle>
+  <p:extLst>
+    <p:ext uri="{EFAFB233-063F-42B5-8137-9DF3F51BA10A}">
+      <p15:sldGuideLst xmlns:p15="http://schemas.microsoft.com/office/powerpoint/2012/main"/>
+    </p:ext>
+  </p:extLst>
 </p:presentation>
 </file>
 
@@ -254,7 +259,7 @@
           <a:p>
             <a:fld id="{F7AFFB9B-9FB8-469E-96F9-4D32314110B6}" type="datetimeFigureOut">
               <a:rPr lang="en-US" smtClean="0"/>
-              <a:t>1/25/2017</a:t>
+              <a:t>1/26/2017</a:t>
             </a:fld>
             <a:endParaRPr lang="en-US" dirty="0"/>
           </a:p>
@@ -466,7 +471,7 @@
           <a:p>
             <a:fld id="{49FF1211-4E0C-4AB3-B04F-585959BDAFE8}" type="datetimeFigureOut">
               <a:rPr lang="en-US" smtClean="0"/>
-              <a:t>1/25/2017</a:t>
+              <a:t>1/26/2017</a:t>
             </a:fld>
             <a:endParaRPr lang="en-US" dirty="0"/>
           </a:p>
@@ -681,7 +686,7 @@
           <a:p>
             <a:fld id="{28BDECAF-D3BE-4069-9C78-642ECCD01477}" type="datetimeFigureOut">
               <a:rPr lang="en-US" smtClean="0"/>
-              <a:t>1/25/2017</a:t>
+              <a:t>1/26/2017</a:t>
             </a:fld>
             <a:endParaRPr lang="en-US" dirty="0"/>
           </a:p>
@@ -882,7 +887,7 @@
           <a:p>
             <a:fld id="{8EFBDC27-E420-4878-9EE6-7B9656D6442A}" type="datetimeFigureOut">
               <a:rPr lang="en-US" smtClean="0"/>
-              <a:t>1/25/2017</a:t>
+              <a:t>1/26/2017</a:t>
             </a:fld>
             <a:endParaRPr lang="en-US" dirty="0"/>
           </a:p>
@@ -1161,7 +1166,7 @@
           <a:p>
             <a:fld id="{0F7F47CF-67C9-420C-80A5-E2069FF0C2DF}" type="datetimeFigureOut">
               <a:rPr lang="en-US" smtClean="0"/>
-              <a:t>1/25/2017</a:t>
+              <a:t>1/26/2017</a:t>
             </a:fld>
             <a:endParaRPr lang="en-US" dirty="0"/>
           </a:p>
@@ -1429,7 +1434,7 @@
           <a:p>
             <a:fld id="{AE22DC73-F065-42F5-A9F2-D90B2E42A0B3}" type="datetimeFigureOut">
               <a:rPr lang="en-US" smtClean="0"/>
-              <a:t>1/25/2017</a:t>
+              <a:t>1/26/2017</a:t>
             </a:fld>
             <a:endParaRPr lang="en-US" dirty="0"/>
           </a:p>
@@ -1845,7 +1850,7 @@
           <a:p>
             <a:fld id="{76BEA702-9B29-41CC-9BCC-3DF8A0D379FE}" type="datetimeFigureOut">
               <a:rPr lang="en-US" smtClean="0"/>
-              <a:t>1/25/2017</a:t>
+              <a:t>1/26/2017</a:t>
             </a:fld>
             <a:endParaRPr lang="en-US" dirty="0"/>
           </a:p>
@@ -1994,7 +1999,7 @@
           <a:p>
             <a:fld id="{097649AC-CB8F-4FF1-9A34-5861C74DD0A7}" type="datetimeFigureOut">
               <a:rPr lang="en-US" smtClean="0"/>
-              <a:t>1/25/2017</a:t>
+              <a:t>1/26/2017</a:t>
             </a:fld>
             <a:endParaRPr lang="en-US" dirty="0"/>
           </a:p>
@@ -2120,7 +2125,7 @@
           <a:p>
             <a:fld id="{3EC5CECA-2D3A-4680-9B49-752200DE467C}" type="datetimeFigureOut">
               <a:rPr lang="en-US" smtClean="0"/>
-              <a:t>1/25/2017</a:t>
+              <a:t>1/26/2017</a:t>
             </a:fld>
             <a:endParaRPr lang="en-US" dirty="0"/>
           </a:p>
@@ -2371,7 +2376,7 @@
           <a:p>
             <a:fld id="{50C3BFE2-83B7-4B0A-B9D3-AB28331082B3}" type="datetimeFigureOut">
               <a:rPr lang="en-US" smtClean="0"/>
-              <a:t>1/25/2017</a:t>
+              <a:t>1/26/2017</a:t>
             </a:fld>
             <a:endParaRPr lang="en-US" dirty="0"/>
           </a:p>
@@ -2816,7 +2821,7 @@
           <a:p>
             <a:fld id="{12EF78E3-FDA3-4D28-AAA2-0B81F349A39D}" type="datetimeFigureOut">
               <a:rPr lang="en-US" smtClean="0"/>
-              <a:t>1/25/2017</a:t>
+              <a:t>1/26/2017</a:t>
             </a:fld>
             <a:endParaRPr lang="en-US" dirty="0"/>
           </a:p>
@@ -3142,7 +3147,7 @@
           <a:p>
             <a:fld id="{C35BB1C6-BF8F-4481-8AB2-603A1C8A906A}" type="datetimeFigureOut">
               <a:rPr lang="en-US" smtClean="0"/>
-              <a:t>1/25/2017</a:t>
+              <a:t>1/26/2017</a:t>
             </a:fld>
             <a:endParaRPr lang="en-US" dirty="0"/>
           </a:p>
@@ -3692,7 +3697,6 @@
               <a:rPr lang="en-US" dirty="0"/>
               <a:t>January 25, 2017</a:t>
             </a:r>
-            <a:endParaRPr lang="en-US" dirty="0"/>
           </a:p>
         </p:txBody>
       </p:sp>
@@ -3909,7 +3913,6 @@
               <a:rPr lang="en-US" dirty="0"/>
               <a:t>The h1 through h20 were the 20 headline text for each day.</a:t>
             </a:r>
-            <a:endParaRPr lang="en-US" dirty="0"/>
           </a:p>
         </p:txBody>
       </p:sp>
@@ -4031,7 +4034,6 @@
               <a:rPr lang="en-US" dirty="0"/>
               <a:t>Dataset was divided into two sets: train and test. The train data set was used to train the model, and the test data set was used to make predictions.</a:t>
             </a:r>
-            <a:endParaRPr lang="en-US" dirty="0"/>
           </a:p>
         </p:txBody>
       </p:sp>
@@ -4188,7 +4190,6 @@
               <a:rPr lang="en-US" dirty="0"/>
               <a:t>– Text processing using Document Term Matrix</a:t>
             </a:r>
-            <a:endParaRPr lang="en-US" dirty="0"/>
           </a:p>
         </p:txBody>
       </p:sp>
@@ -4262,8 +4263,8 @@
         </p:blipFill>
         <p:spPr>
           <a:xfrm>
-            <a:off x="1451579" y="2144947"/>
-            <a:ext cx="3200400" cy="2173483"/>
+            <a:off x="1451579" y="2144948"/>
+            <a:ext cx="2743200" cy="1862985"/>
           </a:xfrm>
           <a:prstGeom prst="rect">
             <a:avLst/>
@@ -4278,8 +4279,8 @@
         </p:nvSpPr>
         <p:spPr>
           <a:xfrm>
-            <a:off x="1464279" y="4323216"/>
-            <a:ext cx="3200400" cy="1815882"/>
+            <a:off x="1451579" y="4057795"/>
+            <a:ext cx="2743200" cy="1754326"/>
           </a:xfrm>
           <a:prstGeom prst="rect">
             <a:avLst/>
@@ -4296,7 +4297,7 @@
               <a:buChar char="•"/>
             </a:pPr>
             <a:r>
-              <a:rPr lang="en-US" sz="1400" dirty="0"/>
+              <a:rPr lang="en-US" sz="1200" dirty="0"/>
               <a:t>Dual density plot of the predicted probabilities, for each of the true values 0 (stock is down) or 1 (stock is up or unchanged). </a:t>
             </a:r>
           </a:p>
@@ -4305,7 +4306,7 @@
               <a:buFont typeface="Arial" panose="020B0604020202020204" pitchFamily="34" charset="0"/>
               <a:buChar char="•"/>
             </a:pPr>
-            <a:endParaRPr lang="en-US" sz="1400" dirty="0"/>
+            <a:endParaRPr lang="en-US" sz="1200" dirty="0"/>
           </a:p>
           <a:p>
             <a:pPr marL="285750" indent="-285750">
@@ -4313,7 +4314,7 @@
               <a:buChar char="•"/>
             </a:pPr>
             <a:r>
-              <a:rPr lang="en-US" sz="1400" dirty="0"/>
+              <a:rPr lang="en-US" sz="1200" dirty="0"/>
               <a:t>The discernable separation between the 0 plot and the 1 plot. confirms we have a reasonable prediction model.</a:t>
             </a:r>
           </a:p>
@@ -4335,8 +4336,8 @@
         </p:blipFill>
         <p:spPr>
           <a:xfrm>
-            <a:off x="5207000" y="3156472"/>
-            <a:ext cx="3200400" cy="342029"/>
+            <a:off x="4833760" y="3181852"/>
+            <a:ext cx="2743200" cy="293169"/>
           </a:xfrm>
           <a:prstGeom prst="rect">
             <a:avLst/>
@@ -4379,7 +4380,7 @@
         </p:nvSpPr>
         <p:spPr>
           <a:xfrm>
-            <a:off x="5207000" y="1843255"/>
+            <a:off x="4833760" y="1843255"/>
             <a:ext cx="2278442" cy="338554"/>
           </a:xfrm>
           <a:prstGeom prst="rect">
@@ -4407,8 +4408,8 @@
         </p:nvSpPr>
         <p:spPr>
           <a:xfrm>
-            <a:off x="5207000" y="2175597"/>
-            <a:ext cx="3200400" cy="954107"/>
+            <a:off x="4833760" y="2175597"/>
+            <a:ext cx="2748833" cy="830997"/>
           </a:xfrm>
           <a:prstGeom prst="rect">
             <a:avLst/>
@@ -4425,10 +4426,9 @@
               <a:buChar char="•"/>
             </a:pPr>
             <a:r>
-              <a:rPr lang="en-US" sz="1400" dirty="0"/>
+              <a:rPr lang="en-US" sz="1200" dirty="0"/>
               <a:t>AUC, or Area Under Curve, is a metric for binary classiﬁcation. It’s the second most popular one, after accuracy. </a:t>
             </a:r>
-            <a:endParaRPr lang="en-US" sz="1400" dirty="0"/>
           </a:p>
         </p:txBody>
       </p:sp>
@@ -4440,8 +4440,8 @@
         </p:nvSpPr>
         <p:spPr>
           <a:xfrm>
-            <a:off x="5207000" y="3740712"/>
-            <a:ext cx="3200400" cy="1169551"/>
+            <a:off x="4833760" y="3740712"/>
+            <a:ext cx="2748833" cy="1015663"/>
           </a:xfrm>
           <a:prstGeom prst="rect">
             <a:avLst/>
@@ -4458,7 +4458,7 @@
               <a:buChar char="•"/>
             </a:pPr>
             <a:r>
-              <a:rPr lang="en-US" sz="1400" dirty="0"/>
+              <a:rPr lang="en-US" sz="1200" dirty="0"/>
               <a:t>With an AUC score of 0.5605, we have a 56% probability that the true positive rate is accurate. This is not great, but better than random guessing.</a:t>
             </a:r>
           </a:p>
@@ -4480,8 +4480,8 @@
         </p:blipFill>
         <p:spPr>
           <a:xfrm>
-            <a:off x="8774786" y="2144945"/>
-            <a:ext cx="3200400" cy="2215660"/>
+            <a:off x="8233607" y="2144948"/>
+            <a:ext cx="2743200" cy="1899135"/>
           </a:xfrm>
           <a:prstGeom prst="rect">
             <a:avLst/>
@@ -4496,7 +4496,7 @@
         </p:nvSpPr>
         <p:spPr>
           <a:xfrm>
-            <a:off x="8681658" y="1843255"/>
+            <a:off x="8140479" y="1843255"/>
             <a:ext cx="2278442" cy="338554"/>
           </a:xfrm>
           <a:prstGeom prst="rect">
@@ -4524,8 +4524,8 @@
         </p:nvSpPr>
         <p:spPr>
           <a:xfrm>
-            <a:off x="8723072" y="4360605"/>
-            <a:ext cx="3252114" cy="1815882"/>
+            <a:off x="8233607" y="4057795"/>
+            <a:ext cx="2743200" cy="1754326"/>
           </a:xfrm>
           <a:prstGeom prst="rect">
             <a:avLst/>
@@ -4542,7 +4542,7 @@
               <a:buChar char="•"/>
             </a:pPr>
             <a:r>
-              <a:rPr lang="en-US" sz="1400" dirty="0"/>
+              <a:rPr lang="en-US" sz="1200" dirty="0"/>
               <a:t>The relation between true positives and false positives</a:t>
             </a:r>
           </a:p>
@@ -4552,7 +4552,7 @@
               <a:buChar char="•"/>
             </a:pPr>
             <a:r>
-              <a:rPr lang="en-US" sz="1400" dirty="0"/>
+              <a:rPr lang="en-US" sz="1200" dirty="0"/>
               <a:t>The dotted line is the threshold curve. </a:t>
             </a:r>
           </a:p>
@@ -4562,7 +4562,7 @@
               <a:buChar char="•"/>
             </a:pPr>
             <a:r>
-              <a:rPr lang="en-US" sz="1400" dirty="0"/>
+              <a:rPr lang="en-US" sz="1200" dirty="0"/>
               <a:t>Prediction curve is not coinciding with the threshold. </a:t>
             </a:r>
           </a:p>
@@ -4572,7 +4572,7 @@
               <a:buChar char="•"/>
             </a:pPr>
             <a:r>
-              <a:rPr lang="en-US" sz="1400" dirty="0"/>
+              <a:rPr lang="en-US" sz="1200" dirty="0"/>
               <a:t>We have a not so great, but reasonable prediction model, an indicator of future Flex stock trend.</a:t>
             </a:r>
           </a:p>
